--- a/Moose Presentations/SETUP.pptx
+++ b/Moose Presentations/SETUP.pptx
@@ -13,6 +13,8 @@
     <p:sldId id="260" r:id="rId7"/>
     <p:sldId id="262" r:id="rId8"/>
     <p:sldId id="263" r:id="rId9"/>
+    <p:sldId id="264" r:id="rId10"/>
+    <p:sldId id="265" r:id="rId11"/>
   </p:sldIdLst>
   <p:sldSz cx="12192000" cy="6858000"/>
   <p:notesSz cx="6858000" cy="9144000"/>
@@ -3640,6 +3642,232 @@
 </p:sld>
 </file>
 
+<file path=ppt/slides/slide10.xml><?xml version="1.0" encoding="utf-8"?>
+<p:sld xmlns:a="http://schemas.openxmlformats.org/drawingml/2006/main" xmlns:r="http://schemas.openxmlformats.org/officeDocument/2006/relationships" xmlns:p="http://schemas.openxmlformats.org/presentationml/2006/main">
+  <p:cSld>
+    <p:spTree>
+      <p:nvGrpSpPr>
+        <p:cNvPr id="1" name=""/>
+        <p:cNvGrpSpPr/>
+        <p:nvPr/>
+      </p:nvGrpSpPr>
+      <p:grpSpPr>
+        <a:xfrm>
+          <a:off x="0" y="0"/>
+          <a:ext cx="0" cy="0"/>
+          <a:chOff x="0" y="0"/>
+          <a:chExt cx="0" cy="0"/>
+        </a:xfrm>
+      </p:grpSpPr>
+      <p:sp>
+        <p:nvSpPr>
+          <p:cNvPr id="2" name="Titel 1"/>
+          <p:cNvSpPr>
+            <a:spLocks noGrp="1"/>
+          </p:cNvSpPr>
+          <p:nvPr>
+            <p:ph type="ctrTitle"/>
+          </p:nvPr>
+        </p:nvSpPr>
+        <p:spPr/>
+        <p:txBody>
+          <a:bodyPr>
+            <a:normAutofit fontScale="90000"/>
+          </a:bodyPr>
+          <a:lstStyle/>
+          <a:p>
+            <a:r>
+              <a:rPr lang="nl-BE" b="1" dirty="0" err="1"/>
+              <a:t>moose</a:t>
+            </a:r>
+            <a:r>
+              <a:rPr lang="nl-BE" dirty="0"/>
+              <a:t> </a:t>
+            </a:r>
+            <a:r>
+              <a:rPr lang="nl-BE" sz="4800" dirty="0" err="1"/>
+              <a:t>for</a:t>
+            </a:r>
+            <a:r>
+              <a:rPr lang="nl-BE" dirty="0"/>
+              <a:t> </a:t>
+            </a:r>
+            <a:r>
+              <a:rPr lang="nl-BE" dirty="0" err="1"/>
+              <a:t>dcs</a:t>
+            </a:r>
+            <a:r>
+              <a:rPr lang="nl-BE" dirty="0"/>
+              <a:t> </a:t>
+            </a:r>
+            <a:r>
+              <a:rPr lang="nl-BE" dirty="0" err="1"/>
+              <a:t>world</a:t>
+            </a:r>
+            <a:br>
+              <a:rPr lang="nl-BE" dirty="0"/>
+            </a:br>
+            <a:r>
+              <a:rPr lang="nl-BE" sz="5300" dirty="0" err="1">
+                <a:solidFill>
+                  <a:schemeClr val="accent1"/>
+                </a:solidFill>
+              </a:rPr>
+              <a:t>Synchronize</a:t>
+            </a:r>
+            <a:r>
+              <a:rPr lang="nl-BE" sz="5300" dirty="0">
+                <a:solidFill>
+                  <a:schemeClr val="accent1"/>
+                </a:solidFill>
+              </a:rPr>
+              <a:t> </a:t>
+            </a:r>
+            <a:r>
+              <a:rPr lang="nl-BE" sz="5300" dirty="0" err="1">
+                <a:solidFill>
+                  <a:schemeClr val="accent1"/>
+                </a:solidFill>
+              </a:rPr>
+              <a:t>the</a:t>
+            </a:r>
+            <a:r>
+              <a:rPr lang="nl-BE" sz="5300" dirty="0">
+                <a:solidFill>
+                  <a:schemeClr val="accent1"/>
+                </a:solidFill>
+              </a:rPr>
+              <a:t> DCS </a:t>
+            </a:r>
+            <a:br>
+              <a:rPr lang="nl-BE" sz="5300" dirty="0">
+                <a:solidFill>
+                  <a:schemeClr val="accent1"/>
+                </a:solidFill>
+              </a:rPr>
+            </a:br>
+            <a:r>
+              <a:rPr lang="nl-BE" sz="5300" dirty="0" err="1">
+                <a:solidFill>
+                  <a:schemeClr val="accent1"/>
+                </a:solidFill>
+              </a:rPr>
+              <a:t>submodule</a:t>
+            </a:r>
+            <a:r>
+              <a:rPr lang="nl-BE" sz="5300" dirty="0">
+                <a:solidFill>
+                  <a:schemeClr val="accent1"/>
+                </a:solidFill>
+              </a:rPr>
+              <a:t> </a:t>
+            </a:r>
+            <a:r>
+              <a:rPr lang="nl-BE" sz="5300" dirty="0" err="1">
+                <a:solidFill>
+                  <a:schemeClr val="accent1"/>
+                </a:solidFill>
+              </a:rPr>
+              <a:t>from</a:t>
+            </a:r>
+            <a:r>
+              <a:rPr lang="nl-BE" sz="5300" dirty="0">
+                <a:solidFill>
+                  <a:schemeClr val="accent1"/>
+                </a:solidFill>
+              </a:rPr>
+              <a:t> </a:t>
+            </a:r>
+            <a:r>
+              <a:rPr lang="nl-BE" sz="5300" dirty="0" err="1">
+                <a:solidFill>
+                  <a:schemeClr val="accent1"/>
+                </a:solidFill>
+              </a:rPr>
+              <a:t>github</a:t>
+            </a:r>
+            <a:endParaRPr lang="nl-BE" dirty="0"/>
+          </a:p>
+        </p:txBody>
+      </p:sp>
+      <p:sp>
+        <p:nvSpPr>
+          <p:cNvPr id="3" name="Ondertitel 2"/>
+          <p:cNvSpPr>
+            <a:spLocks noGrp="1"/>
+          </p:cNvSpPr>
+          <p:nvPr>
+            <p:ph type="subTitle" idx="1"/>
+          </p:nvPr>
+        </p:nvSpPr>
+        <p:spPr>
+          <a:xfrm>
+            <a:off x="1524000" y="5359781"/>
+            <a:ext cx="9144000" cy="1309255"/>
+          </a:xfrm>
+        </p:spPr>
+        <p:txBody>
+          <a:bodyPr vert="horz" lIns="91440" tIns="45720" rIns="91440" bIns="45720" rtlCol="0" anchor="ctr">
+            <a:normAutofit/>
+          </a:bodyPr>
+          <a:lstStyle/>
+          <a:p>
+            <a:pPr algn="r">
+              <a:lnSpc>
+                <a:spcPct val="85000"/>
+              </a:lnSpc>
+              <a:spcBef>
+                <a:spcPct val="0"/>
+              </a:spcBef>
+            </a:pPr>
+            <a:r>
+              <a:rPr lang="nl-BE" sz="4000" cap="all" dirty="0">
+                <a:effectLst>
+                  <a:glow rad="228600">
+                    <a:schemeClr val="bg1">
+                      <a:alpha val="76000"/>
+                    </a:schemeClr>
+                  </a:glow>
+                  <a:outerShdw blurRad="38100" dist="38100" dir="2700000" algn="tl">
+                    <a:srgbClr val="000000">
+                      <a:alpha val="43137"/>
+                    </a:srgbClr>
+                  </a:outerShdw>
+                </a:effectLst>
+                <a:latin typeface="+mj-lt"/>
+                <a:ea typeface="+mj-ea"/>
+                <a:cs typeface="+mj-cs"/>
+              </a:rPr>
+              <a:t> </a:t>
+            </a:r>
+          </a:p>
+        </p:txBody>
+      </p:sp>
+    </p:spTree>
+    <p:extLst>
+      <p:ext uri="{BB962C8B-B14F-4D97-AF65-F5344CB8AC3E}">
+        <p14:creationId xmlns:p14="http://schemas.microsoft.com/office/powerpoint/2010/main" val="3654075847"/>
+      </p:ext>
+    </p:extLst>
+  </p:cSld>
+  <p:clrMapOvr>
+    <a:masterClrMapping/>
+  </p:clrMapOvr>
+  <mc:AlternateContent xmlns:mc="http://schemas.openxmlformats.org/markup-compatibility/2006" xmlns:p14="http://schemas.microsoft.com/office/powerpoint/2010/main">
+    <mc:Choice Requires="p14">
+      <p:transition spd="med" p14:dur="700">
+        <p:fade/>
+      </p:transition>
+    </mc:Choice>
+    <mc:Fallback xmlns="">
+      <p:transition spd="med">
+        <p:fade/>
+      </p:transition>
+    </mc:Fallback>
+  </mc:AlternateContent>
+</p:sld>
+</file>
+
 <file path=ppt/slides/slide2.xml><?xml version="1.0" encoding="utf-8"?>
 <p:sld xmlns:a="http://schemas.openxmlformats.org/drawingml/2006/main" xmlns:r="http://schemas.openxmlformats.org/officeDocument/2006/relationships" xmlns:p="http://schemas.openxmlformats.org/presentationml/2006/main">
   <p:cSld>
@@ -5497,6 +5725,45 @@
               </a:solidFill>
             </a:endParaRPr>
           </a:p>
+          <a:p>
+            <a:pPr marL="342900" indent="-342900">
+              <a:buFontTx/>
+              <a:buChar char="-"/>
+            </a:pPr>
+            <a:r>
+              <a:rPr lang="nl-BE" sz="2000" b="1" dirty="0">
+                <a:solidFill>
+                  <a:schemeClr val="accent1"/>
+                </a:solidFill>
+              </a:rPr>
+              <a:t>MOOSE: </a:t>
+            </a:r>
+            <a:r>
+              <a:rPr lang="nl-BE" sz="2000" b="1" dirty="0">
+                <a:solidFill>
+                  <a:schemeClr val="accent1"/>
+                </a:solidFill>
+                <a:hlinkClick r:id="rId3"/>
+              </a:rPr>
+              <a:t>https://github.com/FlightControl-Master/MOOSE</a:t>
+            </a:r>
+            <a:endParaRPr lang="nl-BE" sz="2000" b="1" dirty="0">
+              <a:solidFill>
+                <a:schemeClr val="accent1"/>
+              </a:solidFill>
+            </a:endParaRPr>
+          </a:p>
+          <a:p>
+            <a:pPr marL="342900" indent="-342900">
+              <a:buFontTx/>
+              <a:buChar char="-"/>
+            </a:pPr>
+            <a:endParaRPr lang="nl-BE" sz="2000" b="1" dirty="0">
+              <a:solidFill>
+                <a:schemeClr val="accent1"/>
+              </a:solidFill>
+            </a:endParaRPr>
+          </a:p>
         </p:txBody>
       </p:sp>
       <p:pic>
@@ -5508,7 +5775,7 @@
           <p:nvPr/>
         </p:nvPicPr>
         <p:blipFill>
-          <a:blip r:embed="rId3"/>
+          <a:blip r:embed="rId4"/>
           <a:stretch>
             <a:fillRect/>
           </a:stretch>
@@ -5541,6 +5808,161 @@
     </mc:Choice>
     <mc:Fallback xmlns="">
       <p:transition spd="slow">
+        <p:fade/>
+      </p:transition>
+    </mc:Fallback>
+  </mc:AlternateContent>
+</p:sld>
+</file>
+
+<file path=ppt/slides/slide9.xml><?xml version="1.0" encoding="utf-8"?>
+<p:sld xmlns:a="http://schemas.openxmlformats.org/drawingml/2006/main" xmlns:r="http://schemas.openxmlformats.org/officeDocument/2006/relationships" xmlns:p="http://schemas.openxmlformats.org/presentationml/2006/main">
+  <p:cSld>
+    <p:spTree>
+      <p:nvGrpSpPr>
+        <p:cNvPr id="1" name=""/>
+        <p:cNvGrpSpPr/>
+        <p:nvPr/>
+      </p:nvGrpSpPr>
+      <p:grpSpPr>
+        <a:xfrm>
+          <a:off x="0" y="0"/>
+          <a:ext cx="0" cy="0"/>
+          <a:chOff x="0" y="0"/>
+          <a:chExt cx="0" cy="0"/>
+        </a:xfrm>
+      </p:grpSpPr>
+      <p:sp>
+        <p:nvSpPr>
+          <p:cNvPr id="2" name="Titel 1"/>
+          <p:cNvSpPr>
+            <a:spLocks noGrp="1"/>
+          </p:cNvSpPr>
+          <p:nvPr>
+            <p:ph type="ctrTitle"/>
+          </p:nvPr>
+        </p:nvSpPr>
+        <p:spPr/>
+        <p:txBody>
+          <a:bodyPr>
+            <a:normAutofit/>
+          </a:bodyPr>
+          <a:lstStyle/>
+          <a:p>
+            <a:r>
+              <a:rPr lang="nl-BE" b="1" dirty="0" err="1"/>
+              <a:t>moose</a:t>
+            </a:r>
+            <a:r>
+              <a:rPr lang="nl-BE" dirty="0"/>
+              <a:t> </a:t>
+            </a:r>
+            <a:r>
+              <a:rPr lang="nl-BE" sz="4800" dirty="0" err="1"/>
+              <a:t>for</a:t>
+            </a:r>
+            <a:r>
+              <a:rPr lang="nl-BE" dirty="0"/>
+              <a:t> </a:t>
+            </a:r>
+            <a:r>
+              <a:rPr lang="nl-BE" dirty="0" err="1"/>
+              <a:t>dcs</a:t>
+            </a:r>
+            <a:r>
+              <a:rPr lang="nl-BE" dirty="0"/>
+              <a:t> </a:t>
+            </a:r>
+            <a:r>
+              <a:rPr lang="nl-BE" dirty="0" err="1"/>
+              <a:t>world</a:t>
+            </a:r>
+            <a:br>
+              <a:rPr lang="nl-BE" dirty="0"/>
+            </a:br>
+            <a:r>
+              <a:rPr lang="nl-BE" dirty="0">
+                <a:solidFill>
+                  <a:schemeClr val="accent1"/>
+                </a:solidFill>
+              </a:rPr>
+              <a:t>CONFIGURE MOOSE in LDT</a:t>
+            </a:r>
+            <a:endParaRPr lang="nl-BE" dirty="0"/>
+          </a:p>
+        </p:txBody>
+      </p:sp>
+      <p:sp>
+        <p:nvSpPr>
+          <p:cNvPr id="3" name="Ondertitel 2"/>
+          <p:cNvSpPr>
+            <a:spLocks noGrp="1"/>
+          </p:cNvSpPr>
+          <p:nvPr>
+            <p:ph type="subTitle" idx="1"/>
+          </p:nvPr>
+        </p:nvSpPr>
+        <p:spPr>
+          <a:xfrm>
+            <a:off x="1524000" y="5359781"/>
+            <a:ext cx="9144000" cy="1309255"/>
+          </a:xfrm>
+        </p:spPr>
+        <p:txBody>
+          <a:bodyPr vert="horz" lIns="91440" tIns="45720" rIns="91440" bIns="45720" rtlCol="0" anchor="ctr">
+            <a:normAutofit/>
+          </a:bodyPr>
+          <a:lstStyle/>
+          <a:p>
+            <a:pPr algn="r">
+              <a:lnSpc>
+                <a:spcPct val="85000"/>
+              </a:lnSpc>
+              <a:spcBef>
+                <a:spcPct val="0"/>
+              </a:spcBef>
+            </a:pPr>
+            <a:r>
+              <a:rPr lang="nl-BE" sz="4000" cap="all" dirty="0">
+                <a:effectLst>
+                  <a:glow rad="228600">
+                    <a:schemeClr val="bg1">
+                      <a:alpha val="76000"/>
+                    </a:schemeClr>
+                  </a:glow>
+                  <a:outerShdw blurRad="38100" dist="38100" dir="2700000" algn="tl">
+                    <a:srgbClr val="000000">
+                      <a:alpha val="43137"/>
+                    </a:srgbClr>
+                  </a:outerShdw>
+                </a:effectLst>
+                <a:latin typeface="+mj-lt"/>
+                <a:ea typeface="+mj-ea"/>
+                <a:cs typeface="+mj-cs"/>
+              </a:rPr>
+              <a:t> </a:t>
+            </a:r>
+          </a:p>
+        </p:txBody>
+      </p:sp>
+    </p:spTree>
+    <p:extLst>
+      <p:ext uri="{BB962C8B-B14F-4D97-AF65-F5344CB8AC3E}">
+        <p14:creationId xmlns:p14="http://schemas.microsoft.com/office/powerpoint/2010/main" val="503677364"/>
+      </p:ext>
+    </p:extLst>
+  </p:cSld>
+  <p:clrMapOvr>
+    <a:masterClrMapping/>
+  </p:clrMapOvr>
+  <mc:AlternateContent xmlns:mc="http://schemas.openxmlformats.org/markup-compatibility/2006" xmlns:p14="http://schemas.microsoft.com/office/powerpoint/2010/main">
+    <mc:Choice Requires="p14">
+      <p:transition spd="med" p14:dur="700">
+        <p:fade/>
+      </p:transition>
+    </mc:Choice>
+    <mc:Fallback xmlns="">
+      <p:transition spd="med">
         <p:fade/>
       </p:transition>
     </mc:Fallback>
